--- a/images/pipet.pptx
+++ b/images/pipet.pptx
@@ -243,7 +243,7 @@
           <a:p>
             <a:fld id="{D565068E-A1BD-4066-9CE0-90E42F2B01EE}" type="datetimeFigureOut">
               <a:rPr lang="en-US" smtClean="0"/>
-              <a:t>7/30/2020</a:t>
+              <a:t>7/31/2020</a:t>
             </a:fld>
             <a:endParaRPr lang="en-US"/>
           </a:p>
@@ -413,7 +413,7 @@
           <a:p>
             <a:fld id="{D565068E-A1BD-4066-9CE0-90E42F2B01EE}" type="datetimeFigureOut">
               <a:rPr lang="en-US" smtClean="0"/>
-              <a:t>7/30/2020</a:t>
+              <a:t>7/31/2020</a:t>
             </a:fld>
             <a:endParaRPr lang="en-US"/>
           </a:p>
@@ -593,7 +593,7 @@
           <a:p>
             <a:fld id="{D565068E-A1BD-4066-9CE0-90E42F2B01EE}" type="datetimeFigureOut">
               <a:rPr lang="en-US" smtClean="0"/>
-              <a:t>7/30/2020</a:t>
+              <a:t>7/31/2020</a:t>
             </a:fld>
             <a:endParaRPr lang="en-US"/>
           </a:p>
@@ -763,7 +763,7 @@
           <a:p>
             <a:fld id="{D565068E-A1BD-4066-9CE0-90E42F2B01EE}" type="datetimeFigureOut">
               <a:rPr lang="en-US" smtClean="0"/>
-              <a:t>7/30/2020</a:t>
+              <a:t>7/31/2020</a:t>
             </a:fld>
             <a:endParaRPr lang="en-US"/>
           </a:p>
@@ -1007,7 +1007,7 @@
           <a:p>
             <a:fld id="{D565068E-A1BD-4066-9CE0-90E42F2B01EE}" type="datetimeFigureOut">
               <a:rPr lang="en-US" smtClean="0"/>
-              <a:t>7/30/2020</a:t>
+              <a:t>7/31/2020</a:t>
             </a:fld>
             <a:endParaRPr lang="en-US"/>
           </a:p>
@@ -1239,7 +1239,7 @@
           <a:p>
             <a:fld id="{D565068E-A1BD-4066-9CE0-90E42F2B01EE}" type="datetimeFigureOut">
               <a:rPr lang="en-US" smtClean="0"/>
-              <a:t>7/30/2020</a:t>
+              <a:t>7/31/2020</a:t>
             </a:fld>
             <a:endParaRPr lang="en-US"/>
           </a:p>
@@ -1606,7 +1606,7 @@
           <a:p>
             <a:fld id="{D565068E-A1BD-4066-9CE0-90E42F2B01EE}" type="datetimeFigureOut">
               <a:rPr lang="en-US" smtClean="0"/>
-              <a:t>7/30/2020</a:t>
+              <a:t>7/31/2020</a:t>
             </a:fld>
             <a:endParaRPr lang="en-US"/>
           </a:p>
@@ -1724,7 +1724,7 @@
           <a:p>
             <a:fld id="{D565068E-A1BD-4066-9CE0-90E42F2B01EE}" type="datetimeFigureOut">
               <a:rPr lang="en-US" smtClean="0"/>
-              <a:t>7/30/2020</a:t>
+              <a:t>7/31/2020</a:t>
             </a:fld>
             <a:endParaRPr lang="en-US"/>
           </a:p>
@@ -1819,7 +1819,7 @@
           <a:p>
             <a:fld id="{D565068E-A1BD-4066-9CE0-90E42F2B01EE}" type="datetimeFigureOut">
               <a:rPr lang="en-US" smtClean="0"/>
-              <a:t>7/30/2020</a:t>
+              <a:t>7/31/2020</a:t>
             </a:fld>
             <a:endParaRPr lang="en-US"/>
           </a:p>
@@ -2096,7 +2096,7 @@
           <a:p>
             <a:fld id="{D565068E-A1BD-4066-9CE0-90E42F2B01EE}" type="datetimeFigureOut">
               <a:rPr lang="en-US" smtClean="0"/>
-              <a:t>7/30/2020</a:t>
+              <a:t>7/31/2020</a:t>
             </a:fld>
             <a:endParaRPr lang="en-US"/>
           </a:p>
@@ -2353,7 +2353,7 @@
           <a:p>
             <a:fld id="{D565068E-A1BD-4066-9CE0-90E42F2B01EE}" type="datetimeFigureOut">
               <a:rPr lang="en-US" smtClean="0"/>
-              <a:t>7/30/2020</a:t>
+              <a:t>7/31/2020</a:t>
             </a:fld>
             <a:endParaRPr lang="en-US"/>
           </a:p>
@@ -2566,7 +2566,7 @@
           <a:p>
             <a:fld id="{D565068E-A1BD-4066-9CE0-90E42F2B01EE}" type="datetimeFigureOut">
               <a:rPr lang="en-US" smtClean="0"/>
-              <a:t>7/30/2020</a:t>
+              <a:t>7/31/2020</a:t>
             </a:fld>
             <a:endParaRPr lang="en-US"/>
           </a:p>
@@ -2999,7 +2999,7 @@
         </p:blipFill>
         <p:spPr>
           <a:xfrm>
-            <a:off x="685991" y="2520181"/>
+            <a:off x="685991" y="1343132"/>
             <a:ext cx="4004880" cy="1064394"/>
           </a:xfrm>
           <a:prstGeom prst="rect">
@@ -3007,6 +3007,337 @@
           </a:prstGeom>
         </p:spPr>
       </p:pic>
+      <p:sp>
+        <p:nvSpPr>
+          <p:cNvPr id="2" name="TextBox 1">
+            <a:extLst>
+              <a:ext uri="{FF2B5EF4-FFF2-40B4-BE49-F238E27FC236}">
+                <a16:creationId xmlns:a16="http://schemas.microsoft.com/office/drawing/2014/main" id="{4971C034-3B53-47F1-B54D-79216B10F986}"/>
+              </a:ext>
+            </a:extLst>
+          </p:cNvPr>
+          <p:cNvSpPr txBox="1"/>
+          <p:nvPr/>
+        </p:nvSpPr>
+        <p:spPr>
+          <a:xfrm>
+            <a:off x="542217" y="3791086"/>
+            <a:ext cx="4834646" cy="3393237"/>
+          </a:xfrm>
+          <a:prstGeom prst="rect">
+            <a:avLst/>
+          </a:prstGeom>
+          <a:noFill/>
+        </p:spPr>
+        <p:txBody>
+          <a:bodyPr wrap="square" rtlCol="0">
+            <a:spAutoFit/>
+          </a:bodyPr>
+          <a:lstStyle/>
+          <a:p>
+            <a:r>
+              <a:rPr lang="ko-KR" altLang="en-US" sz="1400" b="1" dirty="0"/>
+              <a:t>계량약리학 워크샵 </a:t>
+            </a:r>
+            <a:r>
+              <a:rPr lang="en-US" altLang="ko-KR" sz="1400" b="1" dirty="0"/>
+              <a:t>– </a:t>
+            </a:r>
+            <a:r>
+              <a:rPr lang="ko-KR" altLang="en-US" sz="1400" b="1" dirty="0"/>
+              <a:t>초급 과정</a:t>
+            </a:r>
+            <a:br>
+              <a:rPr lang="en-US" altLang="ko-KR" sz="1400" b="1" dirty="0"/>
+            </a:br>
+            <a:r>
+              <a:rPr lang="en-US" altLang="ko-KR" sz="1000" dirty="0" err="1"/>
+              <a:t>Pharmacometrics</a:t>
+            </a:r>
+            <a:r>
+              <a:rPr lang="en-US" altLang="ko-KR" sz="1000" dirty="0"/>
+              <a:t> Workshop – Basic Course</a:t>
+            </a:r>
+          </a:p>
+          <a:p>
+            <a:endParaRPr lang="en-US" sz="1050" dirty="0"/>
+          </a:p>
+          <a:p>
+            <a:endParaRPr lang="en-US" sz="1000" dirty="0"/>
+          </a:p>
+          <a:p>
+            <a:r>
+              <a:rPr lang="ko-KR" altLang="en-US" sz="1000" b="1" dirty="0"/>
+              <a:t>초판 발행</a:t>
+            </a:r>
+            <a:r>
+              <a:rPr lang="en-US" altLang="ko-KR" sz="1000" dirty="0"/>
+              <a:t>	2020</a:t>
+            </a:r>
+            <a:r>
+              <a:rPr lang="ko-KR" altLang="en-US" sz="1000" dirty="0"/>
+              <a:t>년 </a:t>
+            </a:r>
+            <a:r>
+              <a:rPr lang="en-US" altLang="ko-KR" sz="1000" dirty="0"/>
+              <a:t>7</a:t>
+            </a:r>
+            <a:r>
+              <a:rPr lang="ko-KR" altLang="en-US" sz="1000" dirty="0"/>
+              <a:t>월 </a:t>
+            </a:r>
+            <a:r>
+              <a:rPr lang="en-US" altLang="ko-KR" sz="1000" dirty="0"/>
+              <a:t>31</a:t>
+            </a:r>
+            <a:r>
+              <a:rPr lang="ko-KR" altLang="en-US" sz="1000" dirty="0"/>
+              <a:t>일</a:t>
+            </a:r>
+            <a:endParaRPr lang="en-US" altLang="ko-KR" sz="1000" dirty="0"/>
+          </a:p>
+          <a:p>
+            <a:endParaRPr lang="en-US" altLang="ko-KR" sz="1000" b="1" dirty="0"/>
+          </a:p>
+          <a:p>
+            <a:r>
+              <a:rPr lang="ko-KR" altLang="en-US" sz="1000" b="1" dirty="0"/>
+              <a:t>지은이 </a:t>
+            </a:r>
+            <a:r>
+              <a:rPr lang="en-US" altLang="ko-KR" sz="1000" dirty="0"/>
+              <a:t>		</a:t>
+            </a:r>
+            <a:r>
+              <a:rPr lang="ko-KR" altLang="en-US" sz="1000" dirty="0"/>
+              <a:t>임동석</a:t>
+            </a:r>
+            <a:r>
+              <a:rPr lang="en-US" altLang="ko-KR" sz="1000" dirty="0"/>
+              <a:t>, </a:t>
+            </a:r>
+            <a:r>
+              <a:rPr lang="ko-KR" altLang="en-US" sz="1000" dirty="0"/>
+              <a:t>이소진</a:t>
+            </a:r>
+            <a:r>
+              <a:rPr lang="en-US" altLang="ko-KR" sz="1000" dirty="0"/>
+              <a:t>,</a:t>
+            </a:r>
+            <a:r>
+              <a:rPr lang="ko-KR" altLang="en-US" sz="1000" dirty="0"/>
+              <a:t> 배수현</a:t>
+            </a:r>
+            <a:r>
+              <a:rPr lang="en-US" altLang="ko-KR" sz="1000" dirty="0"/>
+              <a:t>, </a:t>
+            </a:r>
+            <a:r>
+              <a:rPr lang="ko-KR" altLang="en-US" sz="1000" dirty="0"/>
+              <a:t>전상일</a:t>
+            </a:r>
+            <a:r>
+              <a:rPr lang="en-US" altLang="ko-KR" sz="1000" dirty="0"/>
+              <a:t>, </a:t>
+            </a:r>
+            <a:r>
+              <a:rPr lang="ko-KR" altLang="en-US" sz="1000" dirty="0"/>
+              <a:t>홍태곤</a:t>
+            </a:r>
+            <a:r>
+              <a:rPr lang="en-US" altLang="ko-KR" sz="1000" dirty="0"/>
+              <a:t>, </a:t>
+            </a:r>
+          </a:p>
+          <a:p>
+            <a:r>
+              <a:rPr lang="en-US" altLang="ko-KR" sz="1000" dirty="0"/>
+              <a:t>		</a:t>
+            </a:r>
+            <a:r>
+              <a:rPr lang="ko-KR" altLang="en-US" sz="1000" dirty="0"/>
+              <a:t>한승훈</a:t>
+            </a:r>
+            <a:r>
+              <a:rPr lang="en-US" altLang="ko-KR" sz="1000" dirty="0"/>
+              <a:t>, </a:t>
+            </a:r>
+            <a:r>
+              <a:rPr lang="ko-KR" altLang="en-US" sz="1000" dirty="0"/>
+              <a:t>김정렬</a:t>
+            </a:r>
+            <a:r>
+              <a:rPr lang="en-US" altLang="ko-KR" sz="1000" dirty="0"/>
+              <a:t>, </a:t>
+            </a:r>
+            <a:r>
+              <a:rPr lang="ko-KR" altLang="en-US" sz="1000" dirty="0"/>
+              <a:t>배균섭</a:t>
+            </a:r>
+            <a:r>
+              <a:rPr lang="en-US" altLang="ko-KR" sz="1000" dirty="0"/>
+              <a:t>, </a:t>
+            </a:r>
+            <a:r>
+              <a:rPr lang="ko-KR" altLang="en-US" sz="1000" dirty="0"/>
+              <a:t>한성필</a:t>
+            </a:r>
+            <a:endParaRPr lang="en-US" altLang="ko-KR" sz="1000" dirty="0"/>
+          </a:p>
+          <a:p>
+            <a:r>
+              <a:rPr lang="ko-KR" altLang="en-US" sz="1000" b="1" dirty="0"/>
+              <a:t>펴낸이</a:t>
+            </a:r>
+            <a:r>
+              <a:rPr lang="en-US" altLang="ko-KR" sz="1000" dirty="0"/>
+              <a:t>		</a:t>
+            </a:r>
+            <a:r>
+              <a:rPr lang="ko-KR" altLang="en-US" sz="1000" dirty="0"/>
+              <a:t>가톨릭대학교 계량약리학연구소 </a:t>
+            </a:r>
+            <a:r>
+              <a:rPr lang="en-US" altLang="ko-KR" sz="1000" dirty="0"/>
+              <a:t>(PIPET)</a:t>
+            </a:r>
+          </a:p>
+          <a:p>
+            <a:r>
+              <a:rPr lang="ko-KR" altLang="en-US" sz="1000" b="1" dirty="0"/>
+              <a:t>주소</a:t>
+            </a:r>
+            <a:r>
+              <a:rPr lang="en-US" altLang="ko-KR" sz="1000" dirty="0"/>
+              <a:t>		</a:t>
+            </a:r>
+            <a:r>
+              <a:rPr lang="ko-KR" altLang="en-US" sz="1000" dirty="0"/>
+              <a:t>서울시 서초구 반포대로 </a:t>
+            </a:r>
+            <a:r>
+              <a:rPr lang="en-US" altLang="ko-KR" sz="1000" dirty="0"/>
+              <a:t>222 </a:t>
+            </a:r>
+            <a:r>
+              <a:rPr lang="ko-KR" altLang="en-US" sz="1000" dirty="0"/>
+              <a:t>성의교정 </a:t>
+            </a:r>
+            <a:endParaRPr lang="en-US" altLang="ko-KR" sz="1000" dirty="0"/>
+          </a:p>
+          <a:p>
+            <a:r>
+              <a:rPr lang="en-US" altLang="ko-KR" sz="1000" dirty="0"/>
+              <a:t>		</a:t>
+            </a:r>
+            <a:r>
+              <a:rPr lang="ko-KR" altLang="en-US" sz="1000" dirty="0"/>
+              <a:t>의대본관 </a:t>
+            </a:r>
+            <a:r>
+              <a:rPr lang="en-US" altLang="ko-KR" sz="1000" dirty="0"/>
+              <a:t>6</a:t>
+            </a:r>
+            <a:r>
+              <a:rPr lang="ko-KR" altLang="en-US" sz="1000" dirty="0"/>
+              <a:t>층 약리학교실 </a:t>
+            </a:r>
+            <a:r>
+              <a:rPr lang="en-US" altLang="ko-KR" sz="1000" dirty="0"/>
+              <a:t>(06591)</a:t>
+            </a:r>
+          </a:p>
+          <a:p>
+            <a:r>
+              <a:rPr lang="ko-KR" altLang="en-US" sz="1000" b="1" dirty="0"/>
+              <a:t>홈페이지</a:t>
+            </a:r>
+            <a:r>
+              <a:rPr lang="en-US" altLang="ko-KR" sz="1000" b="1" dirty="0"/>
+              <a:t>	</a:t>
+            </a:r>
+            <a:r>
+              <a:rPr lang="en-US" altLang="ko-KR" sz="1000" dirty="0"/>
+              <a:t>www.pipet.or.kr</a:t>
+            </a:r>
+          </a:p>
+          <a:p>
+            <a:r>
+              <a:rPr lang="ko-KR" altLang="en-US" sz="1000" b="1" dirty="0"/>
+              <a:t>저서 목록</a:t>
+            </a:r>
+            <a:r>
+              <a:rPr lang="en-US" altLang="ko-KR" sz="1000" dirty="0"/>
+              <a:t>	www.pipet.or.kr/books</a:t>
+            </a:r>
+          </a:p>
+          <a:p>
+            <a:r>
+              <a:rPr lang="ko-KR" altLang="en-US" sz="1000" b="1" dirty="0"/>
+              <a:t>오탈자 신고</a:t>
+            </a:r>
+            <a:r>
+              <a:rPr lang="en-US" altLang="ko-KR" sz="1000" dirty="0"/>
+              <a:t>	www.github.com/pipetcpt/basic/issues</a:t>
+            </a:r>
+          </a:p>
+          <a:p>
+            <a:endParaRPr lang="en-US" altLang="ko-KR" sz="1000" dirty="0"/>
+          </a:p>
+          <a:p>
+            <a:endParaRPr lang="en-US" altLang="ko-KR" sz="1000" dirty="0"/>
+          </a:p>
+          <a:p>
+            <a:r>
+              <a:rPr lang="ko-KR" altLang="en-US" sz="1000" dirty="0"/>
+              <a:t>이 책은 저작권법에 따라 보호받는 저작물이므로 </a:t>
+            </a:r>
+            <a:br>
+              <a:rPr lang="en-US" altLang="ko-KR" sz="1000" dirty="0"/>
+            </a:br>
+            <a:r>
+              <a:rPr lang="ko-KR" altLang="en-US" sz="1000" dirty="0"/>
+              <a:t>무단 전재와 무단 복제를 금합니다</a:t>
+            </a:r>
+            <a:r>
+              <a:rPr lang="en-US" altLang="ko-KR" sz="1000" dirty="0"/>
+              <a:t>.</a:t>
+            </a:r>
+          </a:p>
+          <a:p>
+            <a:endParaRPr lang="en-US" altLang="ko-KR" sz="1000" dirty="0"/>
+          </a:p>
+          <a:p>
+            <a:r>
+              <a:rPr lang="en-US" altLang="ko-KR" sz="1000" dirty="0"/>
+              <a:t>Copyright © PIPET, 2020. Printed in Seoul, Korea.</a:t>
+            </a:r>
+          </a:p>
+          <a:p>
+            <a:r>
+              <a:rPr lang="en-US" altLang="ko-KR" sz="1000" dirty="0"/>
+              <a:t>PIPET</a:t>
+            </a:r>
+            <a:r>
+              <a:rPr lang="ko-KR" altLang="en-US" sz="1000" dirty="0"/>
+              <a:t> </a:t>
+            </a:r>
+            <a:r>
+              <a:rPr lang="en-US" altLang="ko-KR" sz="1000" dirty="0"/>
+              <a:t>(</a:t>
+            </a:r>
+            <a:r>
+              <a:rPr lang="en-US" altLang="ko-KR" sz="1000" dirty="0" err="1"/>
+              <a:t>Pharmacometrics</a:t>
+            </a:r>
+            <a:r>
+              <a:rPr lang="en-US" altLang="ko-KR" sz="1000" dirty="0"/>
+              <a:t> Institute for Practical Education &amp; Training)</a:t>
+            </a:r>
+            <a:endParaRPr lang="ko-KR" altLang="en-US" sz="1000" dirty="0"/>
+          </a:p>
+        </p:txBody>
+      </p:sp>
     </p:spTree>
     <p:extLst>
       <p:ext uri="{BB962C8B-B14F-4D97-AF65-F5344CB8AC3E}">
@@ -3061,76 +3392,16 @@
         <a:srgbClr val="954F72"/>
       </a:folHlink>
     </a:clrScheme>
-    <a:fontScheme name="Office 테마">
+    <a:fontScheme name="나눔명조">
       <a:majorFont>
-        <a:latin typeface="Calibri Light" panose="020F0302020204030204"/>
-        <a:ea typeface=""/>
+        <a:latin typeface="나눔명조"/>
+        <a:ea typeface="나눔명조"/>
         <a:cs typeface=""/>
-        <a:font script="Jpan" typeface="游ゴシック Light"/>
-        <a:font script="Hang" typeface="맑은 고딕"/>
-        <a:font script="Hans" typeface="等线 Light"/>
-        <a:font script="Hant" typeface="新細明體"/>
-        <a:font script="Arab" typeface="Times New Roman"/>
-        <a:font script="Hebr" typeface="Times New Roman"/>
-        <a:font script="Thai" typeface="Angsana New"/>
-        <a:font script="Ethi" typeface="Nyala"/>
-        <a:font script="Beng" typeface="Vrinda"/>
-        <a:font script="Gujr" typeface="Shruti"/>
-        <a:font script="Khmr" typeface="MoolBoran"/>
-        <a:font script="Knda" typeface="Tunga"/>
-        <a:font script="Guru" typeface="Raavi"/>
-        <a:font script="Cans" typeface="Euphemia"/>
-        <a:font script="Cher" typeface="Plantagenet Cherokee"/>
-        <a:font script="Yiii" typeface="Microsoft Yi Baiti"/>
-        <a:font script="Tibt" typeface="Microsoft Himalaya"/>
-        <a:font script="Thaa" typeface="MV Boli"/>
-        <a:font script="Deva" typeface="Mangal"/>
-        <a:font script="Telu" typeface="Gautami"/>
-        <a:font script="Taml" typeface="Latha"/>
-        <a:font script="Syrc" typeface="Estrangelo Edessa"/>
-        <a:font script="Orya" typeface="Kalinga"/>
-        <a:font script="Mlym" typeface="Kartika"/>
-        <a:font script="Laoo" typeface="DokChampa"/>
-        <a:font script="Sinh" typeface="Iskoola Pota"/>
-        <a:font script="Mong" typeface="Mongolian Baiti"/>
-        <a:font script="Viet" typeface="Times New Roman"/>
-        <a:font script="Uigh" typeface="Microsoft Uighur"/>
-        <a:font script="Geor" typeface="Sylfaen"/>
       </a:majorFont>
       <a:minorFont>
-        <a:latin typeface="Calibri" panose="020F0502020204030204"/>
-        <a:ea typeface=""/>
+        <a:latin typeface="나눔명조"/>
+        <a:ea typeface="나눔명조"/>
         <a:cs typeface=""/>
-        <a:font script="Jpan" typeface="游ゴシック"/>
-        <a:font script="Hang" typeface="맑은 고딕"/>
-        <a:font script="Hans" typeface="等线"/>
-        <a:font script="Hant" typeface="新細明體"/>
-        <a:font script="Arab" typeface="Arial"/>
-        <a:font script="Hebr" typeface="Arial"/>
-        <a:font script="Thai" typeface="Cordia New"/>
-        <a:font script="Ethi" typeface="Nyala"/>
-        <a:font script="Beng" typeface="Vrinda"/>
-        <a:font script="Gujr" typeface="Shruti"/>
-        <a:font script="Khmr" typeface="DaunPenh"/>
-        <a:font script="Knda" typeface="Tunga"/>
-        <a:font script="Guru" typeface="Raavi"/>
-        <a:font script="Cans" typeface="Euphemia"/>
-        <a:font script="Cher" typeface="Plantagenet Cherokee"/>
-        <a:font script="Yiii" typeface="Microsoft Yi Baiti"/>
-        <a:font script="Tibt" typeface="Microsoft Himalaya"/>
-        <a:font script="Thaa" typeface="MV Boli"/>
-        <a:font script="Deva" typeface="Mangal"/>
-        <a:font script="Telu" typeface="Gautami"/>
-        <a:font script="Taml" typeface="Latha"/>
-        <a:font script="Syrc" typeface="Estrangelo Edessa"/>
-        <a:font script="Orya" typeface="Kalinga"/>
-        <a:font script="Mlym" typeface="Kartika"/>
-        <a:font script="Laoo" typeface="DokChampa"/>
-        <a:font script="Sinh" typeface="Iskoola Pota"/>
-        <a:font script="Mong" typeface="Mongolian Baiti"/>
-        <a:font script="Viet" typeface="Arial"/>
-        <a:font script="Uigh" typeface="Microsoft Uighur"/>
-        <a:font script="Geor" typeface="Sylfaen"/>
       </a:minorFont>
     </a:fontScheme>
     <a:fmtScheme name="Office 테마">
